--- a/day-3/slides/ppt/React Component Lifecycle.pptx
+++ b/day-3/slides/ppt/React Component Lifecycle.pptx
@@ -7992,21 +7992,8 @@
             </a:r>
           </a:p>
           <a:p>
-            <a:pPr marL="514350" indent="-285750">
-              <a:buFont typeface="Arial" panose="020B0604020202020204" pitchFamily="34" charset="0"/>
-              <a:buChar char="•"/>
-            </a:pPr>
+            <a:pPr marL="228600" indent="0"/>
             <a:endParaRPr lang="en-US" sz="1600" dirty="0"/>
-          </a:p>
-          <a:p>
-            <a:pPr marL="514350" indent="-285750">
-              <a:buFont typeface="Arial" panose="020B0604020202020204" pitchFamily="34" charset="0"/>
-              <a:buChar char="•"/>
-            </a:pPr>
-            <a:r>
-              <a:rPr lang="en-US" sz="1600" dirty="0"/>
-              <a:t>x</a:t>
-            </a:r>
           </a:p>
           <a:p>
             <a:pPr marL="228600" indent="0"/>
@@ -14556,7 +14543,7 @@
             </a:pPr>
             <a:r>
               <a:rPr lang="en-US" sz="2400" dirty="0" err="1"/>
-              <a:t>getDerivedStateFromprops</a:t>
+              <a:t>getDerivedStateFromProps</a:t>
             </a:r>
             <a:r>
               <a:rPr lang="en-US" sz="2400" dirty="0"/>
